--- a/2019_03_07_Classes/classes.pptx
+++ b/2019_03_07_Classes/classes.pptx
@@ -5,7 +5,7 @@
     <p:sldMasterId id="2147483840" r:id="rId1"/>
   </p:sldMasterIdLst>
   <p:notesMasterIdLst>
-    <p:notesMasterId r:id="rId19"/>
+    <p:notesMasterId r:id="rId20"/>
   </p:notesMasterIdLst>
   <p:sldIdLst>
     <p:sldId id="256" r:id="rId2"/>
@@ -24,7 +24,8 @@
     <p:sldId id="283" r:id="rId15"/>
     <p:sldId id="296" r:id="rId16"/>
     <p:sldId id="292" r:id="rId17"/>
-    <p:sldId id="293" r:id="rId18"/>
+    <p:sldId id="297" r:id="rId18"/>
+    <p:sldId id="293" r:id="rId19"/>
   </p:sldIdLst>
   <p:sldSz cx="12192000" cy="6858000"/>
   <p:notesSz cx="6858000" cy="9144000"/>
@@ -4892,11 +4893,7 @@
           <a:p>
             <a:r>
               <a:rPr lang="en-US" sz="7200" dirty="0" smtClean="0"/>
-              <a:t>Exercise </a:t>
-            </a:r>
-            <a:r>
-              <a:rPr lang="en-US" sz="7200" dirty="0" smtClean="0"/>
-              <a:t>2: </a:t>
+              <a:t>Exercise 2: </a:t>
             </a:r>
             <a:r>
               <a:rPr lang="en-US" sz="7200" dirty="0"/>
@@ -7123,7 +7120,6 @@
               <a:rPr lang="en-US" dirty="0"/>
               <a:t>IMPLEMENT Methods in Class Point</a:t>
             </a:r>
-            <a:endParaRPr lang="en-US" dirty="0"/>
           </a:p>
         </p:txBody>
       </p:sp>
@@ -7609,11 +7605,7 @@
           <a:p>
             <a:r>
               <a:rPr lang="en-US" dirty="0" smtClean="0"/>
-              <a:t>Problem 2:  </a:t>
-            </a:r>
-            <a:r>
-              <a:rPr lang="en-US" dirty="0" smtClean="0"/>
-              <a:t>Solution</a:t>
+              <a:t>Problem 2:  Solution</a:t>
             </a:r>
             <a:endParaRPr lang="en-US" dirty="0"/>
           </a:p>
@@ -8213,6 +8205,159 @@
 </file>
 
 <file path=ppt/slides/slide17.xml><?xml version="1.0" encoding="utf-8"?>
+<p:sld xmlns:a="http://schemas.openxmlformats.org/drawingml/2006/main" xmlns:r="http://schemas.openxmlformats.org/officeDocument/2006/relationships" xmlns:p="http://schemas.openxmlformats.org/presentationml/2006/main">
+  <p:cSld>
+    <p:spTree>
+      <p:nvGrpSpPr>
+        <p:cNvPr id="1" name=""/>
+        <p:cNvGrpSpPr/>
+        <p:nvPr/>
+      </p:nvGrpSpPr>
+      <p:grpSpPr>
+        <a:xfrm>
+          <a:off x="0" y="0"/>
+          <a:ext cx="0" cy="0"/>
+          <a:chOff x="0" y="0"/>
+          <a:chExt cx="0" cy="0"/>
+        </a:xfrm>
+      </p:grpSpPr>
+      <p:sp>
+        <p:nvSpPr>
+          <p:cNvPr id="2" name="Title 1"/>
+          <p:cNvSpPr>
+            <a:spLocks noGrp="1"/>
+          </p:cNvSpPr>
+          <p:nvPr>
+            <p:ph type="title"/>
+          </p:nvPr>
+        </p:nvSpPr>
+        <p:spPr/>
+        <p:txBody>
+          <a:bodyPr/>
+          <a:lstStyle/>
+          <a:p>
+            <a:r>
+              <a:rPr lang="en-US" dirty="0"/>
+              <a:t>?!?</a:t>
+            </a:r>
+            <a:r>
+              <a:rPr lang="en-US" dirty="0" smtClean="0"/>
+              <a:t>Discussion?!?</a:t>
+            </a:r>
+            <a:endParaRPr lang="en-US" dirty="0"/>
+          </a:p>
+        </p:txBody>
+      </p:sp>
+      <p:sp>
+        <p:nvSpPr>
+          <p:cNvPr id="3" name="Content Placeholder 2"/>
+          <p:cNvSpPr>
+            <a:spLocks noGrp="1"/>
+          </p:cNvSpPr>
+          <p:nvPr>
+            <p:ph idx="1"/>
+          </p:nvPr>
+        </p:nvSpPr>
+        <p:spPr/>
+        <p:txBody>
+          <a:bodyPr>
+            <a:normAutofit/>
+          </a:bodyPr>
+          <a:lstStyle/>
+          <a:p>
+            <a:pPr marL="0" indent="0">
+              <a:buNone/>
+            </a:pPr>
+            <a:endParaRPr lang="en-US" sz="3600" dirty="0" smtClean="0"/>
+          </a:p>
+          <a:p>
+            <a:r>
+              <a:rPr lang="en-US" sz="3600" dirty="0"/>
+              <a:t> </a:t>
+            </a:r>
+            <a:r>
+              <a:rPr lang="en-US" sz="3600" dirty="0" smtClean="0"/>
+              <a:t> Should I use Class or </a:t>
+            </a:r>
+            <a:r>
+              <a:rPr lang="en-US" sz="3600" dirty="0" err="1" smtClean="0"/>
+              <a:t>Struct</a:t>
+            </a:r>
+            <a:r>
+              <a:rPr lang="en-US" sz="3600" dirty="0" smtClean="0"/>
+              <a:t> for the Point abstraction?</a:t>
+            </a:r>
+          </a:p>
+          <a:p>
+            <a:pPr marL="0" indent="0">
+              <a:buNone/>
+            </a:pPr>
+            <a:endParaRPr lang="en-US" sz="3600" dirty="0" smtClean="0"/>
+          </a:p>
+          <a:p>
+            <a:r>
+              <a:rPr lang="en-US" sz="3600" dirty="0"/>
+              <a:t> </a:t>
+            </a:r>
+            <a:r>
+              <a:rPr lang="en-US" sz="3600" dirty="0" smtClean="0"/>
+              <a:t> </a:t>
+            </a:r>
+            <a:r>
+              <a:rPr lang="en-US" sz="3600" dirty="0" smtClean="0">
+                <a:solidFill>
+                  <a:srgbClr val="0070C0"/>
+                </a:solidFill>
+                <a:hlinkClick r:id="rId2"/>
+              </a:rPr>
+              <a:t>https</a:t>
+            </a:r>
+            <a:r>
+              <a:rPr lang="en-US" sz="3600" dirty="0">
+                <a:solidFill>
+                  <a:srgbClr val="0070C0"/>
+                </a:solidFill>
+                <a:hlinkClick r:id="rId2"/>
+              </a:rPr>
+              <a:t>://www.fluentcpp.com/2017/06/13/the-real-difference-between-struct-class</a:t>
+            </a:r>
+            <a:r>
+              <a:rPr lang="en-US" sz="3600" dirty="0" smtClean="0">
+                <a:solidFill>
+                  <a:srgbClr val="0070C0"/>
+                </a:solidFill>
+                <a:hlinkClick r:id="rId2"/>
+              </a:rPr>
+              <a:t>/</a:t>
+            </a:r>
+            <a:endParaRPr lang="en-US" sz="3600" dirty="0" smtClean="0">
+              <a:solidFill>
+                <a:srgbClr val="0070C0"/>
+              </a:solidFill>
+            </a:endParaRPr>
+          </a:p>
+          <a:p>
+            <a:pPr marL="0" indent="0">
+              <a:buNone/>
+            </a:pPr>
+            <a:endParaRPr lang="en-US" sz="3600" dirty="0"/>
+          </a:p>
+        </p:txBody>
+      </p:sp>
+    </p:spTree>
+    <p:extLst>
+      <p:ext uri="{BB962C8B-B14F-4D97-AF65-F5344CB8AC3E}">
+        <p14:creationId xmlns:p14="http://schemas.microsoft.com/office/powerpoint/2010/main" val="1714788200"/>
+      </p:ext>
+    </p:extLst>
+  </p:cSld>
+  <p:clrMapOvr>
+    <a:masterClrMapping/>
+  </p:clrMapOvr>
+</p:sld>
+</file>
+
+<file path=ppt/slides/slide18.xml><?xml version="1.0" encoding="utf-8"?>
 <p:sld xmlns:a="http://schemas.openxmlformats.org/drawingml/2006/main" xmlns:r="http://schemas.openxmlformats.org/officeDocument/2006/relationships" xmlns:p="http://schemas.openxmlformats.org/presentationml/2006/main">
   <p:cSld>
     <p:spTree>
@@ -9053,13 +9198,13 @@
         </p:nvSpPr>
         <p:spPr>
           <a:xfrm>
-            <a:off x="1069848" y="2093976"/>
-            <a:ext cx="10058400" cy="4050792"/>
+            <a:off x="377190" y="2093976"/>
+            <a:ext cx="10751058" cy="4638294"/>
           </a:xfrm>
         </p:spPr>
         <p:txBody>
           <a:bodyPr>
-            <a:normAutofit lnSpcReduction="10000"/>
+            <a:normAutofit/>
           </a:bodyPr>
           <a:lstStyle/>
           <a:p>
@@ -9156,9 +9301,44 @@
                 <a:solidFill>
                   <a:srgbClr val="0070C0"/>
                 </a:solidFill>
-              </a:rPr>
-              <a:t>https://docs.microsoft.com/en-us/cpp/cpp/class-cpp?view=vs-2017</a:t>
-            </a:r>
+                <a:hlinkClick r:id="rId3"/>
+              </a:rPr>
+              <a:t>https://</a:t>
+            </a:r>
+            <a:r>
+              <a:rPr lang="en-US" sz="2400" dirty="0" smtClean="0">
+                <a:solidFill>
+                  <a:srgbClr val="0070C0"/>
+                </a:solidFill>
+                <a:hlinkClick r:id="rId3"/>
+              </a:rPr>
+              <a:t>docs.microsoft.com/en-us/cpp/cpp/class-cpp?view=vs-2017</a:t>
+            </a:r>
+            <a:endParaRPr lang="en-US" sz="2400" dirty="0" smtClean="0">
+              <a:solidFill>
+                <a:srgbClr val="0070C0"/>
+              </a:solidFill>
+            </a:endParaRPr>
+          </a:p>
+          <a:p>
+            <a:pPr marL="0" indent="0">
+              <a:buNone/>
+            </a:pPr>
+            <a:endParaRPr lang="en-US" sz="2400" dirty="0" smtClean="0">
+              <a:solidFill>
+                <a:srgbClr val="0070C0"/>
+              </a:solidFill>
+            </a:endParaRPr>
+          </a:p>
+          <a:p>
+            <a:pPr marL="0" indent="0">
+              <a:buNone/>
+            </a:pPr>
+            <a:endParaRPr lang="en-US" sz="2400" dirty="0">
+              <a:solidFill>
+                <a:srgbClr val="0070C0"/>
+              </a:solidFill>
+            </a:endParaRPr>
           </a:p>
         </p:txBody>
       </p:sp>
